--- a/Presentation.pptx
+++ b/Presentation.pptx
@@ -6,9 +6,11 @@
   </p:sldMasterIdLst>
   <p:sldIdLst>
     <p:sldId id="256" r:id="rId2"/>
-    <p:sldId id="257" r:id="rId3"/>
-    <p:sldId id="258" r:id="rId4"/>
-    <p:sldId id="259" r:id="rId5"/>
+    <p:sldId id="261" r:id="rId3"/>
+    <p:sldId id="262" r:id="rId4"/>
+    <p:sldId id="263" r:id="rId5"/>
+    <p:sldId id="264" r:id="rId6"/>
+    <p:sldId id="265" r:id="rId7"/>
   </p:sldIdLst>
   <p:sldSz cx="12192000" cy="6858000"/>
   <p:notesSz cx="6858000" cy="9144000"/>
@@ -107,6 +109,11 @@
       </a:defRPr>
     </a:lvl9pPr>
   </p:defaultTextStyle>
+  <p:extLst>
+    <p:ext uri="{EFAFB233-063F-42B5-8137-9DF3F51BA10A}">
+      <p15:sldGuideLst xmlns:p15="http://schemas.microsoft.com/office/powerpoint/2012/main"/>
+    </p:ext>
+  </p:extLst>
 </p:presentation>
 </file>
 
@@ -241,7 +248,7 @@
           <a:p>
             <a:fld id="{BD9A6530-36C6-48EE-8C3E-FC840BDB2EE9}" type="datetimeFigureOut">
               <a:rPr lang="ru-RU" smtClean="0"/>
-              <a:t>24.09.2024</a:t>
+              <a:t>10.10.2024</a:t>
             </a:fld>
             <a:endParaRPr lang="ru-RU"/>
           </a:p>
@@ -411,7 +418,7 @@
           <a:p>
             <a:fld id="{BD9A6530-36C6-48EE-8C3E-FC840BDB2EE9}" type="datetimeFigureOut">
               <a:rPr lang="ru-RU" smtClean="0"/>
-              <a:t>24.09.2024</a:t>
+              <a:t>10.10.2024</a:t>
             </a:fld>
             <a:endParaRPr lang="ru-RU"/>
           </a:p>
@@ -591,7 +598,7 @@
           <a:p>
             <a:fld id="{BD9A6530-36C6-48EE-8C3E-FC840BDB2EE9}" type="datetimeFigureOut">
               <a:rPr lang="ru-RU" smtClean="0"/>
-              <a:t>24.09.2024</a:t>
+              <a:t>10.10.2024</a:t>
             </a:fld>
             <a:endParaRPr lang="ru-RU"/>
           </a:p>
@@ -761,7 +768,7 @@
           <a:p>
             <a:fld id="{BD9A6530-36C6-48EE-8C3E-FC840BDB2EE9}" type="datetimeFigureOut">
               <a:rPr lang="ru-RU" smtClean="0"/>
-              <a:t>24.09.2024</a:t>
+              <a:t>10.10.2024</a:t>
             </a:fld>
             <a:endParaRPr lang="ru-RU"/>
           </a:p>
@@ -1007,7 +1014,7 @@
           <a:p>
             <a:fld id="{BD9A6530-36C6-48EE-8C3E-FC840BDB2EE9}" type="datetimeFigureOut">
               <a:rPr lang="ru-RU" smtClean="0"/>
-              <a:t>24.09.2024</a:t>
+              <a:t>10.10.2024</a:t>
             </a:fld>
             <a:endParaRPr lang="ru-RU"/>
           </a:p>
@@ -1239,7 +1246,7 @@
           <a:p>
             <a:fld id="{BD9A6530-36C6-48EE-8C3E-FC840BDB2EE9}" type="datetimeFigureOut">
               <a:rPr lang="ru-RU" smtClean="0"/>
-              <a:t>24.09.2024</a:t>
+              <a:t>10.10.2024</a:t>
             </a:fld>
             <a:endParaRPr lang="ru-RU"/>
           </a:p>
@@ -1606,7 +1613,7 @@
           <a:p>
             <a:fld id="{BD9A6530-36C6-48EE-8C3E-FC840BDB2EE9}" type="datetimeFigureOut">
               <a:rPr lang="ru-RU" smtClean="0"/>
-              <a:t>24.09.2024</a:t>
+              <a:t>10.10.2024</a:t>
             </a:fld>
             <a:endParaRPr lang="ru-RU"/>
           </a:p>
@@ -1724,7 +1731,7 @@
           <a:p>
             <a:fld id="{BD9A6530-36C6-48EE-8C3E-FC840BDB2EE9}" type="datetimeFigureOut">
               <a:rPr lang="ru-RU" smtClean="0"/>
-              <a:t>24.09.2024</a:t>
+              <a:t>10.10.2024</a:t>
             </a:fld>
             <a:endParaRPr lang="ru-RU"/>
           </a:p>
@@ -1819,7 +1826,7 @@
           <a:p>
             <a:fld id="{BD9A6530-36C6-48EE-8C3E-FC840BDB2EE9}" type="datetimeFigureOut">
               <a:rPr lang="ru-RU" smtClean="0"/>
-              <a:t>24.09.2024</a:t>
+              <a:t>10.10.2024</a:t>
             </a:fld>
             <a:endParaRPr lang="ru-RU"/>
           </a:p>
@@ -2096,7 +2103,7 @@
           <a:p>
             <a:fld id="{BD9A6530-36C6-48EE-8C3E-FC840BDB2EE9}" type="datetimeFigureOut">
               <a:rPr lang="ru-RU" smtClean="0"/>
-              <a:t>24.09.2024</a:t>
+              <a:t>10.10.2024</a:t>
             </a:fld>
             <a:endParaRPr lang="ru-RU"/>
           </a:p>
@@ -2349,7 +2356,7 @@
           <a:p>
             <a:fld id="{BD9A6530-36C6-48EE-8C3E-FC840BDB2EE9}" type="datetimeFigureOut">
               <a:rPr lang="ru-RU" smtClean="0"/>
-              <a:t>24.09.2024</a:t>
+              <a:t>10.10.2024</a:t>
             </a:fld>
             <a:endParaRPr lang="ru-RU"/>
           </a:p>
@@ -2562,7 +2569,7 @@
           <a:p>
             <a:fld id="{BD9A6530-36C6-48EE-8C3E-FC840BDB2EE9}" type="datetimeFigureOut">
               <a:rPr lang="ru-RU" smtClean="0"/>
-              <a:t>24.09.2024</a:t>
+              <a:t>10.10.2024</a:t>
             </a:fld>
             <a:endParaRPr lang="ru-RU"/>
           </a:p>
@@ -3099,20 +3106,7 @@
                 <a:effectLst/>
                 <a:latin typeface="Arial" panose="020B0604020202020204" pitchFamily="34" charset="0"/>
               </a:rPr>
-              <a:t>Расширение таксономического охвата</a:t>
-            </a:r>
-            <a:r>
-              <a:rPr kumimoji="0" lang="ru-RU" altLang="ru-RU" b="0" i="0" u="none" strike="noStrike" cap="none" normalizeH="0" baseline="0" dirty="0" smtClean="0">
-                <a:ln>
-                  <a:noFill/>
-                </a:ln>
-                <a:solidFill>
-                  <a:schemeClr val="tx1"/>
-                </a:solidFill>
-                <a:effectLst/>
-                <a:latin typeface="Arial" panose="020B0604020202020204" pitchFamily="34" charset="0"/>
-              </a:rPr>
-              <a:t>:</a:t>
+              <a:t>Цель</a:t>
             </a:r>
             <a:endParaRPr lang="ru-RU" dirty="0"/>
           </a:p>
@@ -3130,8 +3124,8 @@
         </p:nvSpPr>
         <p:spPr bwMode="auto">
           <a:xfrm>
-            <a:off x="838201" y="2171631"/>
-            <a:ext cx="10400817" cy="1754326"/>
+            <a:off x="838200" y="1481586"/>
+            <a:ext cx="4693919" cy="4614597"/>
           </a:xfrm>
           <a:prstGeom prst="rect">
             <a:avLst/>
@@ -3179,59 +3173,57 @@
           </a:bodyPr>
           <a:lstStyle/>
           <a:p>
-            <a:pPr marL="0" marR="0" lvl="0" indent="0" algn="l" defTabSz="914400" rtl="0" eaLnBrk="0" fontAlgn="base" latinLnBrk="0" hangingPunct="0">
-              <a:lnSpc>
-                <a:spcPct val="100000"/>
-              </a:lnSpc>
-              <a:spcBef>
-                <a:spcPct val="0"/>
-              </a:spcBef>
-              <a:spcAft>
-                <a:spcPct val="0"/>
-              </a:spcAft>
-              <a:buClrTx/>
-              <a:buSzTx/>
-              <a:buNone/>
-              <a:tabLst/>
-            </a:pPr>
-            <a:r>
-              <a:rPr kumimoji="0" lang="ru-RU" altLang="ru-RU" sz="1800" b="0" i="0" u="none" strike="noStrike" cap="none" normalizeH="0" baseline="0" dirty="0" smtClean="0">
-                <a:ln>
-                  <a:noFill/>
-                </a:ln>
-                <a:solidFill>
-                  <a:schemeClr val="tx1"/>
-                </a:solidFill>
-                <a:effectLst/>
-                <a:latin typeface="Arial" panose="020B0604020202020204" pitchFamily="34" charset="0"/>
-              </a:rPr>
-              <a:t>Исследование значительно расширило базу данных по молекулярным данным для 46% известных видов и 77% родов </a:t>
-            </a:r>
-            <a:r>
-              <a:rPr kumimoji="0" lang="ru-RU" altLang="ru-RU" sz="1800" b="0" i="0" u="none" strike="noStrike" cap="none" normalizeH="0" baseline="0" dirty="0" err="1" smtClean="0">
-                <a:ln>
-                  <a:noFill/>
-                </a:ln>
-                <a:solidFill>
-                  <a:schemeClr val="tx1"/>
-                </a:solidFill>
-                <a:effectLst/>
-                <a:latin typeface="Arial" panose="020B0604020202020204" pitchFamily="34" charset="0"/>
-              </a:rPr>
+            <a:r>
+              <a:rPr lang="ru-RU" sz="1800" dirty="0" smtClean="0"/>
+              <a:t>Восстановить </a:t>
+            </a:r>
+            <a:r>
+              <a:rPr lang="ru-RU" sz="1800" dirty="0"/>
+              <a:t>эволюцию трофической экологии </a:t>
+            </a:r>
+            <a:r>
+              <a:rPr lang="ru-RU" sz="1800" b="1" dirty="0" err="1"/>
               <a:t>Coralliophilinae</a:t>
             </a:r>
             <a:r>
-              <a:rPr kumimoji="0" lang="ru-RU" altLang="ru-RU" sz="1800" b="0" i="0" u="none" strike="noStrike" cap="none" normalizeH="0" baseline="0" dirty="0" smtClean="0">
-                <a:ln>
-                  <a:noFill/>
-                </a:ln>
-                <a:solidFill>
-                  <a:schemeClr val="tx1"/>
-                </a:solidFill>
-                <a:effectLst/>
-                <a:latin typeface="Arial" panose="020B0604020202020204" pitchFamily="34" charset="0"/>
-              </a:rPr>
-              <a:t>, что в разы больше по сравнению с предыдущими исследованиями. Было установлено, что из 116 морфологических видов на самом деле существует 123 молекулярных вида, что показало как скрытое биоразнообразие, так и случаи избыточного деления видов.</a:t>
+              <a:rPr lang="ru-RU" sz="1800" dirty="0"/>
+              <a:t>, идентифицировав исконного хозяина для подсемейства и </a:t>
+            </a:r>
+            <a:r>
+              <a:rPr lang="ru-RU" sz="1800" dirty="0" smtClean="0"/>
+              <a:t>выявить </a:t>
+            </a:r>
+            <a:r>
+              <a:rPr lang="ru-RU" sz="1800" dirty="0"/>
+              <a:t>случаи смены хозяев на филогенетическом древе.</a:t>
+            </a:r>
+          </a:p>
+          <a:p>
+            <a:r>
+              <a:rPr lang="ru-RU" sz="1800" dirty="0"/>
+              <a:t>Проверить гипотезу о том, что </a:t>
+            </a:r>
+            <a:r>
+              <a:rPr lang="ru-RU" sz="1800" b="1" dirty="0" err="1"/>
+              <a:t>Coralliophilinae</a:t>
+            </a:r>
+            <a:r>
+              <a:rPr lang="ru-RU" sz="1800" dirty="0"/>
+              <a:t> возникли на мелководье с последующими повторными колонизациями глубоководных мест обитания.</a:t>
+            </a:r>
+          </a:p>
+          <a:p>
+            <a:r>
+              <a:rPr lang="ru-RU" sz="1800" dirty="0"/>
+              <a:t>Исследовать случаи изменения темпов эволюции в отдельных кладах </a:t>
+            </a:r>
+            <a:r>
+              <a:rPr lang="ru-RU" sz="1800" b="1" dirty="0" err="1"/>
+              <a:t>Coralliophilinae</a:t>
+            </a:r>
+            <a:r>
+              <a:rPr lang="ru-RU" sz="1800" dirty="0"/>
+              <a:t>, которые могли быть связаны с диверсификацией, вызванной приобретением ключевых адаптивных инноваций.</a:t>
             </a:r>
           </a:p>
           <a:p>
@@ -3264,10 +3256,34 @@
           </a:p>
         </p:txBody>
       </p:sp>
+      <p:pic>
+        <p:nvPicPr>
+          <p:cNvPr id="3" name="Рисунок 2"/>
+          <p:cNvPicPr>
+            <a:picLocks noChangeAspect="1"/>
+          </p:cNvPicPr>
+          <p:nvPr/>
+        </p:nvPicPr>
+        <p:blipFill>
+          <a:blip r:embed="rId2"/>
+          <a:stretch>
+            <a:fillRect/>
+          </a:stretch>
+        </p:blipFill>
+        <p:spPr>
+          <a:xfrm>
+            <a:off x="5838883" y="0"/>
+            <a:ext cx="6353117" cy="6858000"/>
+          </a:xfrm>
+          <a:prstGeom prst="rect">
+            <a:avLst/>
+          </a:prstGeom>
+        </p:spPr>
+      </p:pic>
     </p:spTree>
     <p:extLst>
       <p:ext uri="{BB962C8B-B14F-4D97-AF65-F5344CB8AC3E}">
-        <p14:creationId xmlns:p14="http://schemas.microsoft.com/office/powerpoint/2010/main" val="2561813973"/>
+        <p14:creationId xmlns:p14="http://schemas.microsoft.com/office/powerpoint/2010/main" val="2606473077"/>
       </p:ext>
     </p:extLst>
   </p:cSld>
@@ -3306,35 +3322,338 @@
         </p:nvSpPr>
         <p:spPr/>
         <p:txBody>
-          <a:bodyPr>
-            <a:normAutofit fontScale="90000"/>
-          </a:bodyPr>
-          <a:lstStyle/>
-          <a:p>
-            <a:r>
-              <a:rPr lang="ru-RU" b="1" dirty="0" smtClean="0">
+          <a:bodyPr/>
+          <a:lstStyle/>
+          <a:p>
+            <a:endParaRPr lang="ru-RU" dirty="0"/>
+          </a:p>
+        </p:txBody>
+      </p:sp>
+      <p:sp>
+        <p:nvSpPr>
+          <p:cNvPr id="3" name="Объект 2"/>
+          <p:cNvSpPr>
+            <a:spLocks noGrp="1"/>
+          </p:cNvSpPr>
+          <p:nvPr>
+            <p:ph idx="1"/>
+          </p:nvPr>
+        </p:nvSpPr>
+        <p:spPr>
+          <a:xfrm>
+            <a:off x="4734046" y="1825625"/>
+            <a:ext cx="6619754" cy="4351338"/>
+          </a:xfrm>
+        </p:spPr>
+        <p:txBody>
+          <a:bodyPr/>
+          <a:lstStyle/>
+          <a:p>
+            <a:r>
+              <a:rPr lang="ru-RU" dirty="0"/>
+              <a:t>Результаты реконструкции предкового состояния для типов местообитаний (мелководные и глубокие)</a:t>
+            </a:r>
+            <a:endParaRPr lang="ru-RU" dirty="0"/>
+          </a:p>
+        </p:txBody>
+      </p:sp>
+      <p:pic>
+        <p:nvPicPr>
+          <p:cNvPr id="4" name="Рисунок 3"/>
+          <p:cNvPicPr>
+            <a:picLocks noChangeAspect="1"/>
+          </p:cNvPicPr>
+          <p:nvPr/>
+        </p:nvPicPr>
+        <p:blipFill>
+          <a:blip r:embed="rId2"/>
+          <a:stretch>
+            <a:fillRect/>
+          </a:stretch>
+        </p:blipFill>
+        <p:spPr>
+          <a:xfrm>
+            <a:off x="137307" y="0"/>
+            <a:ext cx="3555018" cy="6722216"/>
+          </a:xfrm>
+          <a:prstGeom prst="rect">
+            <a:avLst/>
+          </a:prstGeom>
+        </p:spPr>
+      </p:pic>
+    </p:spTree>
+    <p:extLst>
+      <p:ext uri="{BB962C8B-B14F-4D97-AF65-F5344CB8AC3E}">
+        <p14:creationId xmlns:p14="http://schemas.microsoft.com/office/powerpoint/2010/main" val="1038722500"/>
+      </p:ext>
+    </p:extLst>
+  </p:cSld>
+  <p:clrMapOvr>
+    <a:masterClrMapping/>
+  </p:clrMapOvr>
+</p:sld>
+</file>
+
+<file path=ppt/slides/slide4.xml><?xml version="1.0" encoding="utf-8"?>
+<p:sld xmlns:a="http://schemas.openxmlformats.org/drawingml/2006/main" xmlns:r="http://schemas.openxmlformats.org/officeDocument/2006/relationships" xmlns:p="http://schemas.openxmlformats.org/presentationml/2006/main">
+  <p:cSld>
+    <p:spTree>
+      <p:nvGrpSpPr>
+        <p:cNvPr id="1" name=""/>
+        <p:cNvGrpSpPr/>
+        <p:nvPr/>
+      </p:nvGrpSpPr>
+      <p:grpSpPr>
+        <a:xfrm>
+          <a:off x="0" y="0"/>
+          <a:ext cx="0" cy="0"/>
+          <a:chOff x="0" y="0"/>
+          <a:chExt cx="0" cy="0"/>
+        </a:xfrm>
+      </p:grpSpPr>
+      <p:sp>
+        <p:nvSpPr>
+          <p:cNvPr id="2" name="Заголовок 1"/>
+          <p:cNvSpPr>
+            <a:spLocks noGrp="1"/>
+          </p:cNvSpPr>
+          <p:nvPr>
+            <p:ph type="title"/>
+          </p:nvPr>
+        </p:nvSpPr>
+        <p:spPr/>
+        <p:txBody>
+          <a:bodyPr/>
+          <a:lstStyle/>
+          <a:p>
+            <a:endParaRPr lang="ru-RU" dirty="0"/>
+          </a:p>
+        </p:txBody>
+      </p:sp>
+      <p:sp>
+        <p:nvSpPr>
+          <p:cNvPr id="3" name="Объект 2"/>
+          <p:cNvSpPr>
+            <a:spLocks noGrp="1"/>
+          </p:cNvSpPr>
+          <p:nvPr>
+            <p:ph idx="1"/>
+          </p:nvPr>
+        </p:nvSpPr>
+        <p:spPr>
+          <a:xfrm>
+            <a:off x="4734046" y="1825625"/>
+            <a:ext cx="6619754" cy="4351338"/>
+          </a:xfrm>
+        </p:spPr>
+        <p:txBody>
+          <a:bodyPr/>
+          <a:lstStyle/>
+          <a:p>
+            <a:r>
+              <a:rPr lang="ru-RU" dirty="0"/>
+              <a:t>Результаты реконструкции предкового состояния с использованием семейств </a:t>
+            </a:r>
+            <a:r>
+              <a:rPr lang="ru-RU" dirty="0" err="1"/>
+              <a:t>книдарий</a:t>
+            </a:r>
+            <a:r>
+              <a:rPr lang="ru-RU" dirty="0"/>
+              <a:t> в качестве априорных для состояний</a:t>
+            </a:r>
+            <a:endParaRPr lang="ru-RU" dirty="0"/>
+          </a:p>
+        </p:txBody>
+      </p:sp>
+      <p:pic>
+        <p:nvPicPr>
+          <p:cNvPr id="5" name="Рисунок 4"/>
+          <p:cNvPicPr>
+            <a:picLocks noChangeAspect="1"/>
+          </p:cNvPicPr>
+          <p:nvPr/>
+        </p:nvPicPr>
+        <p:blipFill>
+          <a:blip r:embed="rId2"/>
+          <a:stretch>
+            <a:fillRect/>
+          </a:stretch>
+        </p:blipFill>
+        <p:spPr>
+          <a:xfrm>
+            <a:off x="368926" y="0"/>
+            <a:ext cx="3930604" cy="6858000"/>
+          </a:xfrm>
+          <a:prstGeom prst="rect">
+            <a:avLst/>
+          </a:prstGeom>
+        </p:spPr>
+      </p:pic>
+    </p:spTree>
+    <p:extLst>
+      <p:ext uri="{BB962C8B-B14F-4D97-AF65-F5344CB8AC3E}">
+        <p14:creationId xmlns:p14="http://schemas.microsoft.com/office/powerpoint/2010/main" val="2064291017"/>
+      </p:ext>
+    </p:extLst>
+  </p:cSld>
+  <p:clrMapOvr>
+    <a:masterClrMapping/>
+  </p:clrMapOvr>
+</p:sld>
+</file>
+
+<file path=ppt/slides/slide5.xml><?xml version="1.0" encoding="utf-8"?>
+<p:sld xmlns:a="http://schemas.openxmlformats.org/drawingml/2006/main" xmlns:r="http://schemas.openxmlformats.org/officeDocument/2006/relationships" xmlns:p="http://schemas.openxmlformats.org/presentationml/2006/main">
+  <p:cSld>
+    <p:spTree>
+      <p:nvGrpSpPr>
+        <p:cNvPr id="1" name=""/>
+        <p:cNvGrpSpPr/>
+        <p:nvPr/>
+      </p:nvGrpSpPr>
+      <p:grpSpPr>
+        <a:xfrm>
+          <a:off x="0" y="0"/>
+          <a:ext cx="0" cy="0"/>
+          <a:chOff x="0" y="0"/>
+          <a:chExt cx="0" cy="0"/>
+        </a:xfrm>
+      </p:grpSpPr>
+      <p:sp>
+        <p:nvSpPr>
+          <p:cNvPr id="2" name="Заголовок 1"/>
+          <p:cNvSpPr>
+            <a:spLocks noGrp="1"/>
+          </p:cNvSpPr>
+          <p:nvPr>
+            <p:ph type="title"/>
+          </p:nvPr>
+        </p:nvSpPr>
+        <p:spPr/>
+        <p:txBody>
+          <a:bodyPr/>
+          <a:lstStyle/>
+          <a:p>
+            <a:endParaRPr lang="ru-RU" dirty="0"/>
+          </a:p>
+        </p:txBody>
+      </p:sp>
+      <p:sp>
+        <p:nvSpPr>
+          <p:cNvPr id="3" name="Объект 2"/>
+          <p:cNvSpPr>
+            <a:spLocks noGrp="1"/>
+          </p:cNvSpPr>
+          <p:nvPr>
+            <p:ph idx="1"/>
+          </p:nvPr>
+        </p:nvSpPr>
+        <p:spPr>
+          <a:xfrm>
+            <a:off x="4734046" y="1825625"/>
+            <a:ext cx="6619754" cy="4351338"/>
+          </a:xfrm>
+        </p:spPr>
+        <p:txBody>
+          <a:bodyPr/>
+          <a:lstStyle/>
+          <a:p>
+            <a:r>
+              <a:rPr lang="ru-RU" dirty="0"/>
+              <a:t>Графическое представление реконструкции предкового состояния в каждом узле филогении подсемейства </a:t>
+            </a:r>
+            <a:r>
+              <a:rPr lang="ru-RU" dirty="0" err="1"/>
+              <a:t>Coralliophilinae</a:t>
+            </a:r>
+            <a:endParaRPr lang="ru-RU" dirty="0"/>
+          </a:p>
+        </p:txBody>
+      </p:sp>
+      <p:pic>
+        <p:nvPicPr>
+          <p:cNvPr id="5" name="Рисунок 4"/>
+          <p:cNvPicPr>
+            <a:picLocks noChangeAspect="1"/>
+          </p:cNvPicPr>
+          <p:nvPr/>
+        </p:nvPicPr>
+        <p:blipFill>
+          <a:blip r:embed="rId2"/>
+          <a:stretch>
+            <a:fillRect/>
+          </a:stretch>
+        </p:blipFill>
+        <p:spPr>
+          <a:xfrm>
+            <a:off x="368926" y="0"/>
+            <a:ext cx="3930604" cy="6858000"/>
+          </a:xfrm>
+          <a:prstGeom prst="rect">
+            <a:avLst/>
+          </a:prstGeom>
+        </p:spPr>
+      </p:pic>
+    </p:spTree>
+    <p:extLst>
+      <p:ext uri="{BB962C8B-B14F-4D97-AF65-F5344CB8AC3E}">
+        <p14:creationId xmlns:p14="http://schemas.microsoft.com/office/powerpoint/2010/main" val="616699804"/>
+      </p:ext>
+    </p:extLst>
+  </p:cSld>
+  <p:clrMapOvr>
+    <a:masterClrMapping/>
+  </p:clrMapOvr>
+</p:sld>
+</file>
+
+<file path=ppt/slides/slide6.xml><?xml version="1.0" encoding="utf-8"?>
+<p:sld xmlns:a="http://schemas.openxmlformats.org/drawingml/2006/main" xmlns:r="http://schemas.openxmlformats.org/officeDocument/2006/relationships" xmlns:p="http://schemas.openxmlformats.org/presentationml/2006/main">
+  <p:cSld>
+    <p:spTree>
+      <p:nvGrpSpPr>
+        <p:cNvPr id="1" name=""/>
+        <p:cNvGrpSpPr/>
+        <p:nvPr/>
+      </p:nvGrpSpPr>
+      <p:grpSpPr>
+        <a:xfrm>
+          <a:off x="0" y="0"/>
+          <a:ext cx="0" cy="0"/>
+          <a:chOff x="0" y="0"/>
+          <a:chExt cx="0" cy="0"/>
+        </a:xfrm>
+      </p:grpSpPr>
+      <p:sp>
+        <p:nvSpPr>
+          <p:cNvPr id="2" name="Заголовок 1"/>
+          <p:cNvSpPr>
+            <a:spLocks noGrp="1"/>
+          </p:cNvSpPr>
+          <p:nvPr>
+            <p:ph type="title"/>
+          </p:nvPr>
+        </p:nvSpPr>
+        <p:spPr/>
+        <p:txBody>
+          <a:bodyPr/>
+          <a:lstStyle/>
+          <a:p>
+            <a:r>
+              <a:rPr kumimoji="0" lang="ru-RU" altLang="ru-RU" b="1" i="0" u="none" strike="noStrike" cap="none" normalizeH="0" baseline="0" dirty="0" smtClean="0">
+                <a:ln>
+                  <a:noFill/>
+                </a:ln>
+                <a:solidFill>
+                  <a:schemeClr val="tx1"/>
+                </a:solidFill>
+                <a:effectLst/>
                 <a:latin typeface="Arial" panose="020B0604020202020204" pitchFamily="34" charset="0"/>
-                <a:cs typeface="Arial" panose="020B0604020202020204" pitchFamily="34" charset="0"/>
               </a:rPr>
-              <a:t>Непоследовательность морфологии и генетики</a:t>
-            </a:r>
-            <a:r>
-              <a:rPr lang="ru-RU" dirty="0" smtClean="0">
-                <a:latin typeface="Arial" panose="020B0604020202020204" pitchFamily="34" charset="0"/>
-                <a:cs typeface="Arial" panose="020B0604020202020204" pitchFamily="34" charset="0"/>
-              </a:rPr>
-              <a:t>:</a:t>
-            </a:r>
-            <a:br>
-              <a:rPr lang="ru-RU" dirty="0" smtClean="0">
-                <a:latin typeface="Arial" panose="020B0604020202020204" pitchFamily="34" charset="0"/>
-                <a:cs typeface="Arial" panose="020B0604020202020204" pitchFamily="34" charset="0"/>
-              </a:rPr>
-            </a:br>
-            <a:endParaRPr lang="ru-RU" dirty="0">
-              <a:latin typeface="Arial" panose="020B0604020202020204" pitchFamily="34" charset="0"/>
-              <a:cs typeface="Arial" panose="020B0604020202020204" pitchFamily="34" charset="0"/>
-            </a:endParaRPr>
+              <a:t>Вывод</a:t>
+            </a:r>
+            <a:endParaRPr lang="ru-RU" dirty="0"/>
           </a:p>
         </p:txBody>
       </p:sp>
@@ -3350,8 +3669,8 @@
         </p:nvSpPr>
         <p:spPr bwMode="auto">
           <a:xfrm>
-            <a:off x="838201" y="2448630"/>
-            <a:ext cx="10400817" cy="1200329"/>
+            <a:off x="838200" y="3493419"/>
+            <a:ext cx="10354519" cy="590931"/>
           </a:xfrm>
           <a:prstGeom prst="rect">
             <a:avLst/>
@@ -3399,61 +3718,17 @@
           </a:bodyPr>
           <a:lstStyle/>
           <a:p>
-            <a:pPr marL="0" lvl="0" indent="0" eaLnBrk="0" fontAlgn="base" hangingPunct="0">
-              <a:lnSpc>
-                <a:spcPct val="100000"/>
-              </a:lnSpc>
-              <a:spcBef>
-                <a:spcPct val="0"/>
-              </a:spcBef>
-              <a:spcAft>
-                <a:spcPct val="0"/>
-              </a:spcAft>
-              <a:buNone/>
-            </a:pPr>
-            <a:r>
-              <a:rPr lang="ru-RU" sz="1800" dirty="0" smtClean="0"/>
-              <a:t>Исследование выявило значительные расхождения между молекулярными и морфологическими данными. Многие роды оказались </a:t>
-            </a:r>
-            <a:r>
-              <a:rPr lang="ru-RU" sz="1800" dirty="0" err="1" smtClean="0"/>
-              <a:t>немонофилетическими</a:t>
-            </a:r>
-            <a:r>
-              <a:rPr lang="ru-RU" sz="1800" dirty="0" smtClean="0"/>
-              <a:t> (не объединёнными общим предком), что указывает на необходимость пересмотра классификации. Например, у </a:t>
-            </a:r>
-            <a:r>
-              <a:rPr lang="ru-RU" sz="1800" i="1" dirty="0" err="1" smtClean="0"/>
-              <a:t>Galeropsis</a:t>
-            </a:r>
-            <a:r>
-              <a:rPr lang="ru-RU" sz="1800" i="1" dirty="0" smtClean="0"/>
-              <a:t> </a:t>
-            </a:r>
-            <a:r>
-              <a:rPr lang="ru-RU" sz="1800" i="1" dirty="0" err="1" smtClean="0"/>
-              <a:t>monodontus</a:t>
-            </a:r>
-            <a:r>
-              <a:rPr lang="ru-RU" sz="1800" dirty="0" smtClean="0"/>
-              <a:t> и </a:t>
-            </a:r>
-            <a:r>
-              <a:rPr lang="ru-RU" sz="1800" i="1" dirty="0" err="1" smtClean="0"/>
-              <a:t>Coralliophila</a:t>
-            </a:r>
-            <a:r>
-              <a:rPr lang="ru-RU" sz="1800" i="1" dirty="0" smtClean="0"/>
-              <a:t> </a:t>
-            </a:r>
-            <a:r>
-              <a:rPr lang="ru-RU" sz="1800" i="1" dirty="0" err="1" smtClean="0"/>
-              <a:t>fimbriata</a:t>
-            </a:r>
-            <a:r>
-              <a:rPr lang="ru-RU" sz="1800" dirty="0" smtClean="0"/>
-              <a:t> обнаружены скрытые виды, что подчеркивает важность молекулярных данных.</a:t>
+            <a:r>
+              <a:rPr lang="ru-RU" sz="1800" dirty="0"/>
+              <a:t>работа указывает на необходимость пересмотра классификации и понимания эволюционных процессов в подсемействе </a:t>
+            </a:r>
+            <a:r>
+              <a:rPr lang="ru-RU" sz="1800" dirty="0" err="1"/>
+              <a:t>Coralliophilinae</a:t>
+            </a:r>
+            <a:r>
+              <a:rPr lang="ru-RU" sz="1800" dirty="0"/>
+              <a:t>, основываясь на современных молекулярных данных</a:t>
             </a:r>
             <a:endParaRPr kumimoji="0" lang="ru-RU" altLang="ru-RU" sz="1800" b="0" i="0" u="none" strike="noStrike" cap="none" normalizeH="0" baseline="0" dirty="0" smtClean="0">
               <a:ln>
@@ -3471,196 +3746,7 @@
     </p:spTree>
     <p:extLst>
       <p:ext uri="{BB962C8B-B14F-4D97-AF65-F5344CB8AC3E}">
-        <p14:creationId xmlns:p14="http://schemas.microsoft.com/office/powerpoint/2010/main" val="4005494892"/>
-      </p:ext>
-    </p:extLst>
-  </p:cSld>
-  <p:clrMapOvr>
-    <a:masterClrMapping/>
-  </p:clrMapOvr>
-</p:sld>
-</file>
-
-<file path=ppt/slides/slide4.xml><?xml version="1.0" encoding="utf-8"?>
-<p:sld xmlns:a="http://schemas.openxmlformats.org/drawingml/2006/main" xmlns:r="http://schemas.openxmlformats.org/officeDocument/2006/relationships" xmlns:p="http://schemas.openxmlformats.org/presentationml/2006/main">
-  <p:cSld>
-    <p:spTree>
-      <p:nvGrpSpPr>
-        <p:cNvPr id="1" name=""/>
-        <p:cNvGrpSpPr/>
-        <p:nvPr/>
-      </p:nvGrpSpPr>
-      <p:grpSpPr>
-        <a:xfrm>
-          <a:off x="0" y="0"/>
-          <a:ext cx="0" cy="0"/>
-          <a:chOff x="0" y="0"/>
-          <a:chExt cx="0" cy="0"/>
-        </a:xfrm>
-      </p:grpSpPr>
-      <p:sp>
-        <p:nvSpPr>
-          <p:cNvPr id="2" name="Заголовок 1"/>
-          <p:cNvSpPr>
-            <a:spLocks noGrp="1"/>
-          </p:cNvSpPr>
-          <p:nvPr>
-            <p:ph type="title"/>
-          </p:nvPr>
-        </p:nvSpPr>
-        <p:spPr/>
-        <p:txBody>
-          <a:bodyPr>
-            <a:normAutofit/>
-          </a:bodyPr>
-          <a:lstStyle/>
-          <a:p>
-            <a:r>
-              <a:rPr lang="ru-RU" b="1" dirty="0" smtClean="0">
-                <a:latin typeface="Arial" panose="020B0604020202020204" pitchFamily="34" charset="0"/>
-                <a:cs typeface="Arial" panose="020B0604020202020204" pitchFamily="34" charset="0"/>
-              </a:rPr>
-              <a:t>Макроэволюционные паттерны</a:t>
-            </a:r>
-            <a:r>
-              <a:rPr lang="ru-RU" dirty="0" smtClean="0">
-                <a:latin typeface="Arial" panose="020B0604020202020204" pitchFamily="34" charset="0"/>
-                <a:cs typeface="Arial" panose="020B0604020202020204" pitchFamily="34" charset="0"/>
-              </a:rPr>
-              <a:t>:</a:t>
-            </a:r>
-            <a:endParaRPr lang="ru-RU" dirty="0">
-              <a:latin typeface="Arial" panose="020B0604020202020204" pitchFamily="34" charset="0"/>
-              <a:cs typeface="Arial" panose="020B0604020202020204" pitchFamily="34" charset="0"/>
-            </a:endParaRPr>
-          </a:p>
-        </p:txBody>
-      </p:sp>
-      <p:sp>
-        <p:nvSpPr>
-          <p:cNvPr id="6" name="Rectangle 2"/>
-          <p:cNvSpPr>
-            <a:spLocks noGrp="1" noChangeArrowheads="1"/>
-          </p:cNvSpPr>
-          <p:nvPr>
-            <p:ph idx="1"/>
-          </p:nvPr>
-        </p:nvSpPr>
-        <p:spPr bwMode="auto">
-          <a:xfrm>
-            <a:off x="838201" y="2171632"/>
-            <a:ext cx="10400817" cy="1754326"/>
-          </a:xfrm>
-          <a:prstGeom prst="rect">
-            <a:avLst/>
-          </a:prstGeom>
-          <a:noFill/>
-          <a:ln>
-            <a:noFill/>
-          </a:ln>
-          <a:effectLst/>
-          <a:extLst>
-            <a:ext uri="{909E8E84-426E-40DD-AFC4-6F175D3DCCD1}">
-              <a14:hiddenFill xmlns:a14="http://schemas.microsoft.com/office/drawing/2010/main">
-                <a:solidFill>
-                  <a:schemeClr val="accent1"/>
-                </a:solidFill>
-              </a14:hiddenFill>
-            </a:ext>
-            <a:ext uri="{91240B29-F687-4F45-9708-019B960494DF}">
-              <a14:hiddenLine xmlns:a14="http://schemas.microsoft.com/office/drawing/2010/main" w="9525">
-                <a:solidFill>
-                  <a:schemeClr val="tx1"/>
-                </a:solidFill>
-                <a:miter lim="800000"/>
-                <a:headEnd/>
-                <a:tailEnd/>
-              </a14:hiddenLine>
-            </a:ext>
-            <a:ext uri="{AF507438-7753-43E0-B8FC-AC1667EBCBE1}">
-              <a14:hiddenEffects xmlns:a14="http://schemas.microsoft.com/office/drawing/2010/main">
-                <a:effectLst>
-                  <a:outerShdw dist="35921" dir="2700000" algn="ctr" rotWithShape="0">
-                    <a:schemeClr val="bg2"/>
-                  </a:outerShdw>
-                </a:effectLst>
-              </a14:hiddenEffects>
-            </a:ext>
-          </a:extLst>
-        </p:spPr>
-        <p:txBody>
-          <a:bodyPr vert="horz" wrap="square" lIns="91440" tIns="45720" rIns="91440" bIns="45720" numCol="1" anchor="ctr" anchorCtr="0" compatLnSpc="1">
-            <a:prstTxWarp prst="textNoShape">
-              <a:avLst/>
-            </a:prstTxWarp>
-            <a:spAutoFit/>
-          </a:bodyPr>
-          <a:lstStyle/>
-          <a:p>
-            <a:pPr marL="0" lvl="0" indent="0" eaLnBrk="0" fontAlgn="base" hangingPunct="0">
-              <a:lnSpc>
-                <a:spcPct val="100000"/>
-              </a:lnSpc>
-              <a:spcBef>
-                <a:spcPct val="0"/>
-              </a:spcBef>
-              <a:spcAft>
-                <a:spcPct val="0"/>
-              </a:spcAft>
-              <a:buNone/>
-            </a:pPr>
-            <a:r>
-              <a:rPr lang="ru-RU" sz="1800" dirty="0" smtClean="0"/>
-              <a:t/>
-            </a:r>
-            <a:br>
-              <a:rPr lang="ru-RU" sz="1800" dirty="0" smtClean="0"/>
-            </a:br>
-            <a:r>
-              <a:rPr lang="ru-RU" sz="1800" dirty="0" smtClean="0"/>
-              <a:t>Исследование показало, что улитки </a:t>
-            </a:r>
-            <a:r>
-              <a:rPr lang="ru-RU" sz="1800" dirty="0" err="1" smtClean="0"/>
-              <a:t>Coralliophilinae</a:t>
-            </a:r>
-            <a:r>
-              <a:rPr lang="ru-RU" sz="1800" dirty="0" smtClean="0"/>
-              <a:t> произошли в мелководных водах около 41-43 млн лет назад и впоследствии многократно переселялись в более глубокие среды. Основным хозяином этих улиток были кораллы </a:t>
-            </a:r>
-            <a:r>
-              <a:rPr lang="ru-RU" sz="1800" dirty="0" err="1" smtClean="0"/>
-              <a:t>Pocilloporidae</a:t>
-            </a:r>
-            <a:r>
-              <a:rPr lang="ru-RU" sz="1800" dirty="0" smtClean="0"/>
-              <a:t>, но были отмечены несколько случаев изменения хозяев. Важный вывод: не было обнаружено тесной </a:t>
-            </a:r>
-            <a:r>
-              <a:rPr lang="ru-RU" sz="1800" dirty="0" err="1" smtClean="0"/>
-              <a:t>коэволюции</a:t>
-            </a:r>
-            <a:r>
-              <a:rPr lang="ru-RU" sz="1800" dirty="0" smtClean="0"/>
-              <a:t> улиток с их хозяевами, что указывает на их независимое развитие.</a:t>
-            </a:r>
-            <a:endParaRPr kumimoji="0" lang="ru-RU" altLang="ru-RU" sz="1800" b="0" i="0" u="none" strike="noStrike" cap="none" normalizeH="0" baseline="0" dirty="0" smtClean="0">
-              <a:ln>
-                <a:noFill/>
-              </a:ln>
-              <a:solidFill>
-                <a:schemeClr val="tx1"/>
-              </a:solidFill>
-              <a:effectLst/>
-              <a:latin typeface="Arial" panose="020B0604020202020204" pitchFamily="34" charset="0"/>
-            </a:endParaRPr>
-          </a:p>
-        </p:txBody>
-      </p:sp>
-    </p:spTree>
-    <p:extLst>
-      <p:ext uri="{BB962C8B-B14F-4D97-AF65-F5344CB8AC3E}">
-        <p14:creationId xmlns:p14="http://schemas.microsoft.com/office/powerpoint/2010/main" val="3611482212"/>
+        <p14:creationId xmlns:p14="http://schemas.microsoft.com/office/powerpoint/2010/main" val="904778820"/>
       </p:ext>
     </p:extLst>
   </p:cSld>
